--- a/cillians docs/concept document.pptx
+++ b/cillians docs/concept document.pptx
@@ -8,6 +8,13 @@
     <p:sldId id="256" r:id="rId2"/>
     <p:sldId id="257" r:id="rId3"/>
     <p:sldId id="258" r:id="rId4"/>
+    <p:sldId id="259" r:id="rId5"/>
+    <p:sldId id="260" r:id="rId6"/>
+    <p:sldId id="261" r:id="rId7"/>
+    <p:sldId id="262" r:id="rId8"/>
+    <p:sldId id="263" r:id="rId9"/>
+    <p:sldId id="264" r:id="rId10"/>
+    <p:sldId id="265" r:id="rId11"/>
   </p:sldIdLst>
   <p:sldSz cx="12192000" cy="6858000"/>
   <p:notesSz cx="6858000" cy="9144000"/>
@@ -106,6 +113,11 @@
       </a:defRPr>
     </a:lvl9pPr>
   </p:defaultTextStyle>
+  <p:extLst>
+    <p:ext uri="{EFAFB233-063F-42B5-8137-9DF3F51BA10A}">
+      <p15:sldGuideLst xmlns:p15="http://schemas.microsoft.com/office/powerpoint/2012/main"/>
+    </p:ext>
+  </p:extLst>
 </p:presentation>
 </file>
 
@@ -3414,6 +3426,125 @@
 </p:sld>
 </file>
 
+<file path=ppt/slides/slide10.xml><?xml version="1.0" encoding="utf-8"?>
+<p:sld xmlns:a="http://schemas.openxmlformats.org/drawingml/2006/main" xmlns:r="http://schemas.openxmlformats.org/officeDocument/2006/relationships" xmlns:p="http://schemas.openxmlformats.org/presentationml/2006/main">
+  <p:cSld>
+    <p:spTree>
+      <p:nvGrpSpPr>
+        <p:cNvPr id="1" name=""/>
+        <p:cNvGrpSpPr/>
+        <p:nvPr/>
+      </p:nvGrpSpPr>
+      <p:grpSpPr>
+        <a:xfrm>
+          <a:off x="0" y="0"/>
+          <a:ext cx="0" cy="0"/>
+          <a:chOff x="0" y="0"/>
+          <a:chExt cx="0" cy="0"/>
+        </a:xfrm>
+      </p:grpSpPr>
+      <p:sp>
+        <p:nvSpPr>
+          <p:cNvPr id="2" name="Title 1">
+            <a:extLst>
+              <a:ext uri="{FF2B5EF4-FFF2-40B4-BE49-F238E27FC236}">
+                <a16:creationId xmlns:a16="http://schemas.microsoft.com/office/drawing/2014/main" id="{C33F7688-A618-5BC7-B4B9-642D365F5A6E}"/>
+              </a:ext>
+            </a:extLst>
+          </p:cNvPr>
+          <p:cNvSpPr>
+            <a:spLocks noGrp="1"/>
+          </p:cNvSpPr>
+          <p:nvPr>
+            <p:ph type="title"/>
+          </p:nvPr>
+        </p:nvSpPr>
+        <p:spPr/>
+        <p:txBody>
+          <a:bodyPr/>
+          <a:lstStyle/>
+          <a:p>
+            <a:r>
+              <a:rPr lang="en-IE" dirty="0"/>
+              <a:t>Elements </a:t>
+            </a:r>
+          </a:p>
+        </p:txBody>
+      </p:sp>
+      <p:sp>
+        <p:nvSpPr>
+          <p:cNvPr id="3" name="Content Placeholder 2">
+            <a:extLst>
+              <a:ext uri="{FF2B5EF4-FFF2-40B4-BE49-F238E27FC236}">
+                <a16:creationId xmlns:a16="http://schemas.microsoft.com/office/drawing/2014/main" id="{842563B8-F167-C367-4DE0-01D86C22F710}"/>
+              </a:ext>
+            </a:extLst>
+          </p:cNvPr>
+          <p:cNvSpPr>
+            <a:spLocks noGrp="1"/>
+          </p:cNvSpPr>
+          <p:nvPr>
+            <p:ph idx="1"/>
+          </p:nvPr>
+        </p:nvSpPr>
+        <p:spPr/>
+        <p:txBody>
+          <a:bodyPr/>
+          <a:lstStyle/>
+          <a:p>
+            <a:r>
+              <a:rPr lang="en-IE" dirty="0"/>
+              <a:t>Advanced game play [15]</a:t>
+            </a:r>
+          </a:p>
+          <a:p>
+            <a:pPr lvl="1"/>
+            <a:r>
+              <a:rPr lang="en-IE" dirty="0"/>
+              <a:t>While this will be important for the end product and increasing the games </a:t>
+            </a:r>
+            <a:r>
+              <a:rPr lang="en-IE" dirty="0" err="1"/>
+              <a:t>replayability</a:t>
+            </a:r>
+            <a:r>
+              <a:rPr lang="en-IE" dirty="0"/>
+              <a:t>, this should not take higher priority then just making the game function at a basic level. This will be the extra skills, varied attack patterns, varied enemies with different attack patterns.</a:t>
+            </a:r>
+          </a:p>
+          <a:p>
+            <a:r>
+              <a:rPr lang="en-IE" dirty="0"/>
+              <a:t>Project management [5]</a:t>
+            </a:r>
+          </a:p>
+          <a:p>
+            <a:pPr lvl="1"/>
+            <a:r>
+              <a:rPr lang="en-IE" dirty="0"/>
+              <a:t>This is the most important part of the project and will be delegating percentage based on the roles. Having a 25% equal split will cause conflict and arguments where if there is someone who makes the final call after hearing peoples opinions I think that would lead to a more effective work </a:t>
+            </a:r>
+            <a:r>
+              <a:rPr lang="en-IE"/>
+              <a:t>enviroment</a:t>
+            </a:r>
+            <a:endParaRPr lang="en-IE" dirty="0"/>
+          </a:p>
+        </p:txBody>
+      </p:sp>
+    </p:spTree>
+    <p:extLst>
+      <p:ext uri="{BB962C8B-B14F-4D97-AF65-F5344CB8AC3E}">
+        <p14:creationId xmlns:p14="http://schemas.microsoft.com/office/powerpoint/2010/main" val="1249876700"/>
+      </p:ext>
+    </p:extLst>
+  </p:cSld>
+  <p:clrMapOvr>
+    <a:masterClrMapping/>
+  </p:clrMapOvr>
+</p:sld>
+</file>
+
 <file path=ppt/slides/slide2.xml><?xml version="1.0" encoding="utf-8"?>
 <p:sld xmlns:a="http://schemas.openxmlformats.org/drawingml/2006/main" xmlns:r="http://schemas.openxmlformats.org/officeDocument/2006/relationships" xmlns:p="http://schemas.openxmlformats.org/presentationml/2006/main">
   <p:cSld>
@@ -3488,15 +3619,7 @@
           <a:p>
             <a:r>
               <a:rPr lang="en-IE" dirty="0"/>
-              <a:t>As if instantly after grasping the weapon, undead samurai crawl out of the ground and attack you. You fight them off until </a:t>
-            </a:r>
-            <a:r>
-              <a:rPr lang="en-IE" dirty="0" err="1"/>
-              <a:t>unltimately</a:t>
-            </a:r>
-            <a:r>
-              <a:rPr lang="en-IE" dirty="0"/>
-              <a:t> they overpower you</a:t>
+              <a:t>As if instantly after grasping the weapon, demonic creatures crawl out of the ground and attack you. You fight them off until ultimately they overpower you</a:t>
             </a:r>
           </a:p>
           <a:p>
@@ -3588,11 +3711,13 @@
           <a:p>
             <a:r>
               <a:rPr lang="en-IE" dirty="0"/>
-              <a:t>Game is placed in a euphoric landscape at the start that slowly turns greyer as the player reincarnates more and more. You are a god unknowing of there power and celestial backgrounds. Your powers seem to have </a:t>
-            </a:r>
-            <a:r>
-              <a:rPr lang="en-IE"/>
-              <a:t>been ceiled by</a:t>
+              <a:t>Game is placed in a euphoric landscape at the start that slowly turns greyer as the player reincarnates more and more. You are a god unknowing of there power and celestial backgrounds. Your powers seem to have been ceiled by a demon (final boss)</a:t>
+            </a:r>
+          </a:p>
+          <a:p>
+            <a:r>
+              <a:rPr lang="en-IE" dirty="0"/>
+              <a:t>Character fights using a sword and looks like a Greek or roman god</a:t>
             </a:r>
           </a:p>
         </p:txBody>
@@ -3601,6 +3726,765 @@
     <p:extLst>
       <p:ext uri="{BB962C8B-B14F-4D97-AF65-F5344CB8AC3E}">
         <p14:creationId xmlns:p14="http://schemas.microsoft.com/office/powerpoint/2010/main" val="981739647"/>
+      </p:ext>
+    </p:extLst>
+  </p:cSld>
+  <p:clrMapOvr>
+    <a:masterClrMapping/>
+  </p:clrMapOvr>
+</p:sld>
+</file>
+
+<file path=ppt/slides/slide4.xml><?xml version="1.0" encoding="utf-8"?>
+<p:sld xmlns:a="http://schemas.openxmlformats.org/drawingml/2006/main" xmlns:r="http://schemas.openxmlformats.org/officeDocument/2006/relationships" xmlns:p="http://schemas.openxmlformats.org/presentationml/2006/main">
+  <p:cSld>
+    <p:spTree>
+      <p:nvGrpSpPr>
+        <p:cNvPr id="1" name=""/>
+        <p:cNvGrpSpPr/>
+        <p:nvPr/>
+      </p:nvGrpSpPr>
+      <p:grpSpPr>
+        <a:xfrm>
+          <a:off x="0" y="0"/>
+          <a:ext cx="0" cy="0"/>
+          <a:chOff x="0" y="0"/>
+          <a:chExt cx="0" cy="0"/>
+        </a:xfrm>
+      </p:grpSpPr>
+      <p:sp>
+        <p:nvSpPr>
+          <p:cNvPr id="2" name="Title 1">
+            <a:extLst>
+              <a:ext uri="{FF2B5EF4-FFF2-40B4-BE49-F238E27FC236}">
+                <a16:creationId xmlns:a16="http://schemas.microsoft.com/office/drawing/2014/main" id="{614E1635-4100-88D5-8C03-A2EDE918D9EA}"/>
+              </a:ext>
+            </a:extLst>
+          </p:cNvPr>
+          <p:cNvSpPr>
+            <a:spLocks noGrp="1"/>
+          </p:cNvSpPr>
+          <p:nvPr>
+            <p:ph type="title"/>
+          </p:nvPr>
+        </p:nvSpPr>
+        <p:spPr/>
+        <p:txBody>
+          <a:bodyPr/>
+          <a:lstStyle/>
+          <a:p>
+            <a:r>
+              <a:rPr lang="en-IE" dirty="0"/>
+              <a:t>Features </a:t>
+            </a:r>
+          </a:p>
+        </p:txBody>
+      </p:sp>
+      <p:sp>
+        <p:nvSpPr>
+          <p:cNvPr id="3" name="Content Placeholder 2">
+            <a:extLst>
+              <a:ext uri="{FF2B5EF4-FFF2-40B4-BE49-F238E27FC236}">
+                <a16:creationId xmlns:a16="http://schemas.microsoft.com/office/drawing/2014/main" id="{9BAC0741-659C-FA75-CE14-0F3955A98912}"/>
+              </a:ext>
+            </a:extLst>
+          </p:cNvPr>
+          <p:cNvSpPr>
+            <a:spLocks noGrp="1"/>
+          </p:cNvSpPr>
+          <p:nvPr>
+            <p:ph idx="1"/>
+          </p:nvPr>
+        </p:nvSpPr>
+        <p:spPr/>
+        <p:txBody>
+          <a:bodyPr/>
+          <a:lstStyle/>
+          <a:p>
+            <a:r>
+              <a:rPr lang="en-IE" dirty="0"/>
+              <a:t>Left right movement</a:t>
+            </a:r>
+          </a:p>
+          <a:p>
+            <a:r>
+              <a:rPr lang="en-IE" dirty="0"/>
+              <a:t>Jump</a:t>
+            </a:r>
+          </a:p>
+          <a:p>
+            <a:r>
+              <a:rPr lang="en-IE" dirty="0"/>
+              <a:t>Crouch and slide (s and a = slide left)</a:t>
+            </a:r>
+          </a:p>
+          <a:p>
+            <a:r>
+              <a:rPr lang="en-IE" dirty="0"/>
+              <a:t>Attacking</a:t>
+            </a:r>
+          </a:p>
+          <a:p>
+            <a:r>
+              <a:rPr lang="en-IE" dirty="0"/>
+              <a:t>Blocking </a:t>
+            </a:r>
+          </a:p>
+          <a:p>
+            <a:r>
+              <a:rPr lang="en-IE" dirty="0"/>
+              <a:t>Special move</a:t>
+            </a:r>
+          </a:p>
+          <a:p>
+            <a:r>
+              <a:rPr lang="en-IE" dirty="0"/>
+              <a:t>Boss fight</a:t>
+            </a:r>
+          </a:p>
+          <a:p>
+            <a:r>
+              <a:rPr lang="en-IE" dirty="0"/>
+              <a:t>Stats and skills</a:t>
+            </a:r>
+          </a:p>
+        </p:txBody>
+      </p:sp>
+    </p:spTree>
+    <p:extLst>
+      <p:ext uri="{BB962C8B-B14F-4D97-AF65-F5344CB8AC3E}">
+        <p14:creationId xmlns:p14="http://schemas.microsoft.com/office/powerpoint/2010/main" val="3367525662"/>
+      </p:ext>
+    </p:extLst>
+  </p:cSld>
+  <p:clrMapOvr>
+    <a:masterClrMapping/>
+  </p:clrMapOvr>
+</p:sld>
+</file>
+
+<file path=ppt/slides/slide5.xml><?xml version="1.0" encoding="utf-8"?>
+<p:sld xmlns:a="http://schemas.openxmlformats.org/drawingml/2006/main" xmlns:r="http://schemas.openxmlformats.org/officeDocument/2006/relationships" xmlns:p="http://schemas.openxmlformats.org/presentationml/2006/main">
+  <p:cSld>
+    <p:spTree>
+      <p:nvGrpSpPr>
+        <p:cNvPr id="1" name=""/>
+        <p:cNvGrpSpPr/>
+        <p:nvPr/>
+      </p:nvGrpSpPr>
+      <p:grpSpPr>
+        <a:xfrm>
+          <a:off x="0" y="0"/>
+          <a:ext cx="0" cy="0"/>
+          <a:chOff x="0" y="0"/>
+          <a:chExt cx="0" cy="0"/>
+        </a:xfrm>
+      </p:grpSpPr>
+      <p:sp>
+        <p:nvSpPr>
+          <p:cNvPr id="2" name="Title 1">
+            <a:extLst>
+              <a:ext uri="{FF2B5EF4-FFF2-40B4-BE49-F238E27FC236}">
+                <a16:creationId xmlns:a16="http://schemas.microsoft.com/office/drawing/2014/main" id="{8078655A-9D64-61A5-9E0C-7624A3F72A9A}"/>
+              </a:ext>
+            </a:extLst>
+          </p:cNvPr>
+          <p:cNvSpPr>
+            <a:spLocks noGrp="1"/>
+          </p:cNvSpPr>
+          <p:nvPr>
+            <p:ph type="title"/>
+          </p:nvPr>
+        </p:nvSpPr>
+        <p:spPr/>
+        <p:txBody>
+          <a:bodyPr/>
+          <a:lstStyle/>
+          <a:p>
+            <a:r>
+              <a:rPr lang="en-IE" dirty="0"/>
+              <a:t>Pillars </a:t>
+            </a:r>
+          </a:p>
+        </p:txBody>
+      </p:sp>
+      <p:sp>
+        <p:nvSpPr>
+          <p:cNvPr id="3" name="Content Placeholder 2">
+            <a:extLst>
+              <a:ext uri="{FF2B5EF4-FFF2-40B4-BE49-F238E27FC236}">
+                <a16:creationId xmlns:a16="http://schemas.microsoft.com/office/drawing/2014/main" id="{02C353FC-489B-6D96-F977-AA50AC0EFE5D}"/>
+              </a:ext>
+            </a:extLst>
+          </p:cNvPr>
+          <p:cNvSpPr>
+            <a:spLocks noGrp="1"/>
+          </p:cNvSpPr>
+          <p:nvPr>
+            <p:ph idx="1"/>
+          </p:nvPr>
+        </p:nvSpPr>
+        <p:spPr/>
+        <p:txBody>
+          <a:bodyPr>
+            <a:normAutofit lnSpcReduction="10000"/>
+          </a:bodyPr>
+          <a:lstStyle/>
+          <a:p>
+            <a:r>
+              <a:rPr lang="en-IE" dirty="0"/>
+              <a:t>Movement 25%</a:t>
+            </a:r>
+          </a:p>
+          <a:p>
+            <a:pPr lvl="1"/>
+            <a:r>
+              <a:rPr lang="en-IE" dirty="0"/>
+              <a:t>Movement should be fluid and quick, will play a crucial role in speed of game and will also be important for dodging</a:t>
+            </a:r>
+          </a:p>
+          <a:p>
+            <a:r>
+              <a:rPr lang="en-IE" dirty="0"/>
+              <a:t>Attacking 50%</a:t>
+            </a:r>
+          </a:p>
+          <a:p>
+            <a:pPr lvl="1"/>
+            <a:r>
+              <a:rPr lang="en-IE" dirty="0"/>
+              <a:t>Will be where most of the interaction in the game stems from, different attacks for different positions, attack combos, blocking and special moves</a:t>
+            </a:r>
+          </a:p>
+          <a:p>
+            <a:r>
+              <a:rPr lang="en-IE" dirty="0"/>
+              <a:t>Enemies 20%</a:t>
+            </a:r>
+          </a:p>
+          <a:p>
+            <a:pPr lvl="1"/>
+            <a:r>
+              <a:rPr lang="en-IE" dirty="0"/>
+              <a:t>Diverse enemies is important but this can be done with health and attack patterns. As long as a challenge is posed, the user will be firstly more focused on their own attacks. Boss fight will be most of the work making something enjoyable and balanced</a:t>
+            </a:r>
+          </a:p>
+        </p:txBody>
+      </p:sp>
+    </p:spTree>
+    <p:extLst>
+      <p:ext uri="{BB962C8B-B14F-4D97-AF65-F5344CB8AC3E}">
+        <p14:creationId xmlns:p14="http://schemas.microsoft.com/office/powerpoint/2010/main" val="3200227370"/>
+      </p:ext>
+    </p:extLst>
+  </p:cSld>
+  <p:clrMapOvr>
+    <a:masterClrMapping/>
+  </p:clrMapOvr>
+</p:sld>
+</file>
+
+<file path=ppt/slides/slide6.xml><?xml version="1.0" encoding="utf-8"?>
+<p:sld xmlns:a="http://schemas.openxmlformats.org/drawingml/2006/main" xmlns:r="http://schemas.openxmlformats.org/officeDocument/2006/relationships" xmlns:p="http://schemas.openxmlformats.org/presentationml/2006/main">
+  <p:cSld>
+    <p:spTree>
+      <p:nvGrpSpPr>
+        <p:cNvPr id="1" name=""/>
+        <p:cNvGrpSpPr/>
+        <p:nvPr/>
+      </p:nvGrpSpPr>
+      <p:grpSpPr>
+        <a:xfrm>
+          <a:off x="0" y="0"/>
+          <a:ext cx="0" cy="0"/>
+          <a:chOff x="0" y="0"/>
+          <a:chExt cx="0" cy="0"/>
+        </a:xfrm>
+      </p:grpSpPr>
+      <p:sp>
+        <p:nvSpPr>
+          <p:cNvPr id="2" name="Title 1">
+            <a:extLst>
+              <a:ext uri="{FF2B5EF4-FFF2-40B4-BE49-F238E27FC236}">
+                <a16:creationId xmlns:a16="http://schemas.microsoft.com/office/drawing/2014/main" id="{42BED0BD-FE3B-26BC-C020-89A54D7F9867}"/>
+              </a:ext>
+            </a:extLst>
+          </p:cNvPr>
+          <p:cNvSpPr>
+            <a:spLocks noGrp="1"/>
+          </p:cNvSpPr>
+          <p:nvPr>
+            <p:ph type="title"/>
+          </p:nvPr>
+        </p:nvSpPr>
+        <p:spPr/>
+        <p:txBody>
+          <a:bodyPr/>
+          <a:lstStyle/>
+          <a:p>
+            <a:r>
+              <a:rPr lang="en-IE" dirty="0"/>
+              <a:t>Pillars (again)</a:t>
+            </a:r>
+          </a:p>
+        </p:txBody>
+      </p:sp>
+      <p:sp>
+        <p:nvSpPr>
+          <p:cNvPr id="3" name="Content Placeholder 2">
+            <a:extLst>
+              <a:ext uri="{FF2B5EF4-FFF2-40B4-BE49-F238E27FC236}">
+                <a16:creationId xmlns:a16="http://schemas.microsoft.com/office/drawing/2014/main" id="{8C4372EF-F41A-0538-F206-42BEAE00A140}"/>
+              </a:ext>
+            </a:extLst>
+          </p:cNvPr>
+          <p:cNvSpPr>
+            <a:spLocks noGrp="1"/>
+          </p:cNvSpPr>
+          <p:nvPr>
+            <p:ph idx="1"/>
+          </p:nvPr>
+        </p:nvSpPr>
+        <p:spPr/>
+        <p:txBody>
+          <a:bodyPr/>
+          <a:lstStyle/>
+          <a:p>
+            <a:r>
+              <a:rPr lang="en-IE" dirty="0"/>
+              <a:t>5%</a:t>
+            </a:r>
+          </a:p>
+          <a:p>
+            <a:pPr lvl="1"/>
+            <a:r>
+              <a:rPr lang="en-IE" dirty="0"/>
+              <a:t>Stats and skills, will be overall damage, health, speed, stamina, skill stats. Overall just a huge numbers game and finding a balance in increases to player and enemy stats</a:t>
+            </a:r>
+          </a:p>
+        </p:txBody>
+      </p:sp>
+    </p:spTree>
+    <p:extLst>
+      <p:ext uri="{BB962C8B-B14F-4D97-AF65-F5344CB8AC3E}">
+        <p14:creationId xmlns:p14="http://schemas.microsoft.com/office/powerpoint/2010/main" val="60484055"/>
+      </p:ext>
+    </p:extLst>
+  </p:cSld>
+  <p:clrMapOvr>
+    <a:masterClrMapping/>
+  </p:clrMapOvr>
+</p:sld>
+</file>
+
+<file path=ppt/slides/slide7.xml><?xml version="1.0" encoding="utf-8"?>
+<p:sld xmlns:a="http://schemas.openxmlformats.org/drawingml/2006/main" xmlns:r="http://schemas.openxmlformats.org/officeDocument/2006/relationships" xmlns:p="http://schemas.openxmlformats.org/presentationml/2006/main">
+  <p:cSld>
+    <p:spTree>
+      <p:nvGrpSpPr>
+        <p:cNvPr id="1" name=""/>
+        <p:cNvGrpSpPr/>
+        <p:nvPr/>
+      </p:nvGrpSpPr>
+      <p:grpSpPr>
+        <a:xfrm>
+          <a:off x="0" y="0"/>
+          <a:ext cx="0" cy="0"/>
+          <a:chOff x="0" y="0"/>
+          <a:chExt cx="0" cy="0"/>
+        </a:xfrm>
+      </p:grpSpPr>
+      <p:sp>
+        <p:nvSpPr>
+          <p:cNvPr id="2" name="Title 1">
+            <a:extLst>
+              <a:ext uri="{FF2B5EF4-FFF2-40B4-BE49-F238E27FC236}">
+                <a16:creationId xmlns:a16="http://schemas.microsoft.com/office/drawing/2014/main" id="{34FD7831-6977-2366-AD5F-3AA8D7B7E056}"/>
+              </a:ext>
+            </a:extLst>
+          </p:cNvPr>
+          <p:cNvSpPr>
+            <a:spLocks noGrp="1"/>
+          </p:cNvSpPr>
+          <p:nvPr>
+            <p:ph type="title"/>
+          </p:nvPr>
+        </p:nvSpPr>
+        <p:spPr/>
+        <p:txBody>
+          <a:bodyPr/>
+          <a:lstStyle/>
+          <a:p>
+            <a:r>
+              <a:rPr lang="en-IE" dirty="0"/>
+              <a:t>Skills that will be used</a:t>
+            </a:r>
+          </a:p>
+        </p:txBody>
+      </p:sp>
+      <p:sp>
+        <p:nvSpPr>
+          <p:cNvPr id="3" name="Content Placeholder 2">
+            <a:extLst>
+              <a:ext uri="{FF2B5EF4-FFF2-40B4-BE49-F238E27FC236}">
+                <a16:creationId xmlns:a16="http://schemas.microsoft.com/office/drawing/2014/main" id="{E551F9B8-3ED6-C07F-9B3B-02D05FEDAB44}"/>
+              </a:ext>
+            </a:extLst>
+          </p:cNvPr>
+          <p:cNvSpPr>
+            <a:spLocks noGrp="1"/>
+          </p:cNvSpPr>
+          <p:nvPr>
+            <p:ph idx="1"/>
+          </p:nvPr>
+        </p:nvSpPr>
+        <p:spPr/>
+        <p:txBody>
+          <a:bodyPr/>
+          <a:lstStyle/>
+          <a:p>
+            <a:r>
+              <a:rPr lang="en-IE" dirty="0"/>
+              <a:t>Classes [Game, player, enemy, stats, skills, boss…]</a:t>
+            </a:r>
+          </a:p>
+          <a:p>
+            <a:r>
+              <a:rPr lang="en-IE" dirty="0"/>
+              <a:t>Arrays[skills, stats, enemies, points, kills, deaths]</a:t>
+            </a:r>
+          </a:p>
+          <a:p>
+            <a:r>
+              <a:rPr lang="en-IE" dirty="0"/>
+              <a:t>Graphics[sprites, animations, recolouring sprites to fit environment]</a:t>
+            </a:r>
+          </a:p>
+          <a:p>
+            <a:r>
+              <a:rPr lang="en-IE" dirty="0"/>
+              <a:t>Source control and teamwork [git/</a:t>
+            </a:r>
+            <a:r>
+              <a:rPr lang="en-IE" dirty="0" err="1"/>
+              <a:t>github</a:t>
+            </a:r>
+            <a:r>
+              <a:rPr lang="en-IE" dirty="0"/>
+              <a:t>]</a:t>
+            </a:r>
+          </a:p>
+          <a:p>
+            <a:r>
+              <a:rPr lang="en-IE" dirty="0"/>
+              <a:t>Software [visual studio 2022, photoshop, audacity, premier pro, </a:t>
+            </a:r>
+            <a:r>
+              <a:rPr lang="en-IE" dirty="0" err="1"/>
+              <a:t>davinci</a:t>
+            </a:r>
+            <a:r>
+              <a:rPr lang="en-IE" dirty="0"/>
+              <a:t> resolve, Microsoft suite like word, excel]</a:t>
+            </a:r>
+          </a:p>
+          <a:p>
+            <a:r>
+              <a:rPr lang="en-IE" dirty="0"/>
+              <a:t>Documentation{concept doc, art doc and artwork, comments in code]</a:t>
+            </a:r>
+          </a:p>
+        </p:txBody>
+      </p:sp>
+    </p:spTree>
+    <p:extLst>
+      <p:ext uri="{BB962C8B-B14F-4D97-AF65-F5344CB8AC3E}">
+        <p14:creationId xmlns:p14="http://schemas.microsoft.com/office/powerpoint/2010/main" val="204344245"/>
+      </p:ext>
+    </p:extLst>
+  </p:cSld>
+  <p:clrMapOvr>
+    <a:masterClrMapping/>
+  </p:clrMapOvr>
+</p:sld>
+</file>
+
+<file path=ppt/slides/slide8.xml><?xml version="1.0" encoding="utf-8"?>
+<p:sld xmlns:a="http://schemas.openxmlformats.org/drawingml/2006/main" xmlns:r="http://schemas.openxmlformats.org/officeDocument/2006/relationships" xmlns:p="http://schemas.openxmlformats.org/presentationml/2006/main">
+  <p:cSld>
+    <p:spTree>
+      <p:nvGrpSpPr>
+        <p:cNvPr id="1" name=""/>
+        <p:cNvGrpSpPr/>
+        <p:nvPr/>
+      </p:nvGrpSpPr>
+      <p:grpSpPr>
+        <a:xfrm>
+          <a:off x="0" y="0"/>
+          <a:ext cx="0" cy="0"/>
+          <a:chOff x="0" y="0"/>
+          <a:chExt cx="0" cy="0"/>
+        </a:xfrm>
+      </p:grpSpPr>
+      <p:sp>
+        <p:nvSpPr>
+          <p:cNvPr id="2" name="Title 1">
+            <a:extLst>
+              <a:ext uri="{FF2B5EF4-FFF2-40B4-BE49-F238E27FC236}">
+                <a16:creationId xmlns:a16="http://schemas.microsoft.com/office/drawing/2014/main" id="{CBC465B8-64CA-2784-90A9-CE09F714583D}"/>
+              </a:ext>
+            </a:extLst>
+          </p:cNvPr>
+          <p:cNvSpPr>
+            <a:spLocks noGrp="1"/>
+          </p:cNvSpPr>
+          <p:nvPr>
+            <p:ph type="title"/>
+          </p:nvPr>
+        </p:nvSpPr>
+        <p:spPr/>
+        <p:txBody>
+          <a:bodyPr/>
+          <a:lstStyle/>
+          <a:p>
+            <a:r>
+              <a:rPr lang="en-IE" dirty="0"/>
+              <a:t>Elements </a:t>
+            </a:r>
+          </a:p>
+        </p:txBody>
+      </p:sp>
+      <p:sp>
+        <p:nvSpPr>
+          <p:cNvPr id="3" name="Content Placeholder 2">
+            <a:extLst>
+              <a:ext uri="{FF2B5EF4-FFF2-40B4-BE49-F238E27FC236}">
+                <a16:creationId xmlns:a16="http://schemas.microsoft.com/office/drawing/2014/main" id="{39E624FA-B380-8572-5B09-30A6498FDE2C}"/>
+              </a:ext>
+            </a:extLst>
+          </p:cNvPr>
+          <p:cNvSpPr>
+            <a:spLocks noGrp="1"/>
+          </p:cNvSpPr>
+          <p:nvPr>
+            <p:ph idx="1"/>
+          </p:nvPr>
+        </p:nvSpPr>
+        <p:spPr/>
+        <p:txBody>
+          <a:bodyPr/>
+          <a:lstStyle/>
+          <a:p>
+            <a:r>
+              <a:rPr lang="en-IE" dirty="0"/>
+              <a:t>Visual assets creation [20]</a:t>
+            </a:r>
+          </a:p>
+          <a:p>
+            <a:pPr lvl="1"/>
+            <a:r>
+              <a:rPr lang="en-IE" dirty="0"/>
+              <a:t>A lot of varying designs are </a:t>
+            </a:r>
+            <a:r>
+              <a:rPr lang="en-IE" dirty="0" err="1"/>
+              <a:t>gonna</a:t>
+            </a:r>
+            <a:r>
+              <a:rPr lang="en-IE" dirty="0"/>
+              <a:t> be needed as well as some animations but those will be </a:t>
+            </a:r>
+            <a:r>
+              <a:rPr lang="en-IE" dirty="0" err="1"/>
+              <a:t>limitied</a:t>
+            </a:r>
+            <a:endParaRPr lang="en-IE" dirty="0"/>
+          </a:p>
+          <a:p>
+            <a:r>
+              <a:rPr lang="en-IE" dirty="0"/>
+              <a:t>Audio assets creation [5]</a:t>
+            </a:r>
+          </a:p>
+          <a:p>
+            <a:pPr lvl="1"/>
+            <a:r>
+              <a:rPr lang="en-IE" dirty="0"/>
+              <a:t>Audio is important and will also be needed for making a lot of the moving parts such as the attacks and their noise, blocking noise, enemy noise, skills noise etc</a:t>
+            </a:r>
+          </a:p>
+          <a:p>
+            <a:r>
+              <a:rPr lang="en-IE" dirty="0"/>
+              <a:t>Menu system [5]</a:t>
+            </a:r>
+          </a:p>
+          <a:p>
+            <a:pPr lvl="1"/>
+            <a:r>
+              <a:rPr lang="en-IE" dirty="0"/>
+              <a:t>Menu will be simple in design and have limited features. These features will be basic settings altering (sound, brightness, </a:t>
+            </a:r>
+            <a:r>
+              <a:rPr lang="en-IE" dirty="0" err="1"/>
+              <a:t>hud</a:t>
+            </a:r>
+            <a:r>
+              <a:rPr lang="en-IE" dirty="0"/>
+              <a:t> size), play/resume and exit</a:t>
+            </a:r>
+          </a:p>
+        </p:txBody>
+      </p:sp>
+    </p:spTree>
+    <p:extLst>
+      <p:ext uri="{BB962C8B-B14F-4D97-AF65-F5344CB8AC3E}">
+        <p14:creationId xmlns:p14="http://schemas.microsoft.com/office/powerpoint/2010/main" val="2748492620"/>
+      </p:ext>
+    </p:extLst>
+  </p:cSld>
+  <p:clrMapOvr>
+    <a:masterClrMapping/>
+  </p:clrMapOvr>
+</p:sld>
+</file>
+
+<file path=ppt/slides/slide9.xml><?xml version="1.0" encoding="utf-8"?>
+<p:sld xmlns:a="http://schemas.openxmlformats.org/drawingml/2006/main" xmlns:r="http://schemas.openxmlformats.org/officeDocument/2006/relationships" xmlns:p="http://schemas.openxmlformats.org/presentationml/2006/main">
+  <p:cSld>
+    <p:spTree>
+      <p:nvGrpSpPr>
+        <p:cNvPr id="1" name=""/>
+        <p:cNvGrpSpPr/>
+        <p:nvPr/>
+      </p:nvGrpSpPr>
+      <p:grpSpPr>
+        <a:xfrm>
+          <a:off x="0" y="0"/>
+          <a:ext cx="0" cy="0"/>
+          <a:chOff x="0" y="0"/>
+          <a:chExt cx="0" cy="0"/>
+        </a:xfrm>
+      </p:grpSpPr>
+      <p:sp>
+        <p:nvSpPr>
+          <p:cNvPr id="2" name="Title 1">
+            <a:extLst>
+              <a:ext uri="{FF2B5EF4-FFF2-40B4-BE49-F238E27FC236}">
+                <a16:creationId xmlns:a16="http://schemas.microsoft.com/office/drawing/2014/main" id="{B60C62DC-CAA6-5223-0072-DD06917F5A3F}"/>
+              </a:ext>
+            </a:extLst>
+          </p:cNvPr>
+          <p:cNvSpPr>
+            <a:spLocks noGrp="1"/>
+          </p:cNvSpPr>
+          <p:nvPr>
+            <p:ph type="title"/>
+          </p:nvPr>
+        </p:nvSpPr>
+        <p:spPr/>
+        <p:txBody>
+          <a:bodyPr/>
+          <a:lstStyle/>
+          <a:p>
+            <a:r>
+              <a:rPr lang="en-IE" dirty="0"/>
+              <a:t>Elements </a:t>
+            </a:r>
+          </a:p>
+        </p:txBody>
+      </p:sp>
+      <p:sp>
+        <p:nvSpPr>
+          <p:cNvPr id="3" name="Content Placeholder 2">
+            <a:extLst>
+              <a:ext uri="{FF2B5EF4-FFF2-40B4-BE49-F238E27FC236}">
+                <a16:creationId xmlns:a16="http://schemas.microsoft.com/office/drawing/2014/main" id="{1FA53CED-0BDF-5EEC-0827-9BD991AC2B37}"/>
+              </a:ext>
+            </a:extLst>
+          </p:cNvPr>
+          <p:cNvSpPr>
+            <a:spLocks noGrp="1"/>
+          </p:cNvSpPr>
+          <p:nvPr>
+            <p:ph idx="1"/>
+          </p:nvPr>
+        </p:nvSpPr>
+        <p:spPr/>
+        <p:txBody>
+          <a:bodyPr>
+            <a:normAutofit fontScale="92500"/>
+          </a:bodyPr>
+          <a:lstStyle/>
+          <a:p>
+            <a:r>
+              <a:rPr lang="en-IE" dirty="0"/>
+              <a:t>Hud [5]</a:t>
+            </a:r>
+          </a:p>
+          <a:p>
+            <a:pPr lvl="1"/>
+            <a:r>
+              <a:rPr lang="en-IE" dirty="0"/>
+              <a:t>To fit the fluid and speedy nature of the game I think a minimalistic </a:t>
+            </a:r>
+            <a:r>
+              <a:rPr lang="en-IE" dirty="0" err="1"/>
+              <a:t>hud</a:t>
+            </a:r>
+            <a:r>
+              <a:rPr lang="en-IE" dirty="0"/>
+              <a:t> should work well with small timers to </a:t>
+            </a:r>
+            <a:r>
+              <a:rPr lang="en-IE" dirty="0" err="1"/>
+              <a:t>inticate</a:t>
+            </a:r>
+            <a:r>
+              <a:rPr lang="en-IE" dirty="0"/>
+              <a:t> when an acquired skill could be used</a:t>
+            </a:r>
+          </a:p>
+          <a:p>
+            <a:r>
+              <a:rPr lang="en-IE" dirty="0"/>
+              <a:t>Basic game play [20]</a:t>
+            </a:r>
+          </a:p>
+          <a:p>
+            <a:pPr lvl="1"/>
+            <a:r>
+              <a:rPr lang="en-IE" dirty="0"/>
+              <a:t>The fundamental game mechanics for this game are going to have to be concrete. Movement should be without error, boundary detection same, enemy ai should work well and run smoothly. Foundation should be </a:t>
+            </a:r>
+            <a:r>
+              <a:rPr lang="en-IE" dirty="0" err="1"/>
+              <a:t>strudy</a:t>
+            </a:r>
+            <a:r>
+              <a:rPr lang="en-IE" dirty="0"/>
+              <a:t> for any other wanted design features</a:t>
+            </a:r>
+          </a:p>
+          <a:p>
+            <a:r>
+              <a:rPr lang="en-IE" dirty="0"/>
+              <a:t>Graphics [20]</a:t>
+            </a:r>
+          </a:p>
+          <a:p>
+            <a:pPr lvl="1"/>
+            <a:r>
+              <a:rPr lang="en-IE" dirty="0"/>
+              <a:t>This is what will make the game stand out and be very important for making the action visually appealing. Variety on designs is the biggest part. Will make the game feel less stale after the first few runs</a:t>
+            </a:r>
+          </a:p>
+        </p:txBody>
+      </p:sp>
+    </p:spTree>
+    <p:extLst>
+      <p:ext uri="{BB962C8B-B14F-4D97-AF65-F5344CB8AC3E}">
+        <p14:creationId xmlns:p14="http://schemas.microsoft.com/office/powerpoint/2010/main" val="1043681255"/>
       </p:ext>
     </p:extLst>
   </p:cSld>
